--- a/portfolio/Linux_OS_System_2022_1_s4.pptx
+++ b/portfolio/Linux_OS_System_2022_1_s4.pptx
@@ -233,7 +233,7 @@
             <a:fld id="{1F80A561-A35E-4C07-B113-AEE55C239B70}" type="datetimeFigureOut">
               <a:rPr lang="ko-KR" altLang="en-US" smtClean="0"/>
               <a:pPr/>
-              <a:t>2022-04-02</a:t>
+              <a:t>2022-04-17</a:t>
             </a:fld>
             <a:endParaRPr lang="ko-KR" altLang="en-US"/>
           </a:p>
@@ -400,7 +400,7 @@
             <a:fld id="{FB545AC5-813F-4ED1-B011-8EA17CB93331}" type="datetimeFigureOut">
               <a:rPr lang="ko-KR" altLang="en-US" smtClean="0"/>
               <a:pPr/>
-              <a:t>2022-04-02</a:t>
+              <a:t>2022-04-17</a:t>
             </a:fld>
             <a:endParaRPr lang="ko-KR" altLang="en-US"/>
           </a:p>
@@ -939,7 +939,7 @@
             <a:fld id="{ED3D6733-6F27-4404-AB51-585418F146E5}" type="datetimeFigureOut">
               <a:rPr lang="ko-KR" altLang="en-US" smtClean="0"/>
               <a:pPr/>
-              <a:t>2022-04-02</a:t>
+              <a:t>2022-04-17</a:t>
             </a:fld>
             <a:endParaRPr lang="ko-KR" altLang="en-US"/>
           </a:p>
@@ -1351,7 +1351,7 @@
             <a:fld id="{ED3D6733-6F27-4404-AB51-585418F146E5}" type="datetimeFigureOut">
               <a:rPr lang="ko-KR" altLang="en-US" smtClean="0"/>
               <a:pPr/>
-              <a:t>2022-04-02</a:t>
+              <a:t>2022-04-17</a:t>
             </a:fld>
             <a:endParaRPr lang="ko-KR" altLang="en-US"/>
           </a:p>
@@ -1544,7 +1544,7 @@
             <a:fld id="{ED3D6733-6F27-4404-AB51-585418F146E5}" type="datetimeFigureOut">
               <a:rPr lang="ko-KR" altLang="en-US" smtClean="0"/>
               <a:pPr/>
-              <a:t>2022-04-02</a:t>
+              <a:t>2022-04-17</a:t>
             </a:fld>
             <a:endParaRPr lang="ko-KR" altLang="en-US"/>
           </a:p>
@@ -2065,8 +2065,8 @@
           <a:lstStyle/>
           <a:p>
             <a:r>
-              <a:rPr lang="en-US" sz="4000" dirty="0"/>
-              <a:t>Session #3</a:t>
+              <a:rPr lang="en-US" sz="4000"/>
+              <a:t>Session #4</a:t>
             </a:r>
             <a:br>
               <a:rPr lang="en-US" sz="4000" dirty="0"/>

--- a/portfolio/Linux_OS_System_2022_1_s4.pptx
+++ b/portfolio/Linux_OS_System_2022_1_s4.pptx
@@ -233,7 +233,7 @@
             <a:fld id="{1F80A561-A35E-4C07-B113-AEE55C239B70}" type="datetimeFigureOut">
               <a:rPr lang="ko-KR" altLang="en-US" smtClean="0"/>
               <a:pPr/>
-              <a:t>2022-04-17</a:t>
+              <a:t>2022-04-23</a:t>
             </a:fld>
             <a:endParaRPr lang="ko-KR" altLang="en-US"/>
           </a:p>
@@ -400,7 +400,7 @@
             <a:fld id="{FB545AC5-813F-4ED1-B011-8EA17CB93331}" type="datetimeFigureOut">
               <a:rPr lang="ko-KR" altLang="en-US" smtClean="0"/>
               <a:pPr/>
-              <a:t>2022-04-17</a:t>
+              <a:t>2022-04-23</a:t>
             </a:fld>
             <a:endParaRPr lang="ko-KR" altLang="en-US"/>
           </a:p>
@@ -939,7 +939,7 @@
             <a:fld id="{ED3D6733-6F27-4404-AB51-585418F146E5}" type="datetimeFigureOut">
               <a:rPr lang="ko-KR" altLang="en-US" smtClean="0"/>
               <a:pPr/>
-              <a:t>2022-04-17</a:t>
+              <a:t>2022-04-23</a:t>
             </a:fld>
             <a:endParaRPr lang="ko-KR" altLang="en-US"/>
           </a:p>
@@ -1351,7 +1351,7 @@
             <a:fld id="{ED3D6733-6F27-4404-AB51-585418F146E5}" type="datetimeFigureOut">
               <a:rPr lang="ko-KR" altLang="en-US" smtClean="0"/>
               <a:pPr/>
-              <a:t>2022-04-17</a:t>
+              <a:t>2022-04-23</a:t>
             </a:fld>
             <a:endParaRPr lang="ko-KR" altLang="en-US"/>
           </a:p>
@@ -1544,7 +1544,7 @@
             <a:fld id="{ED3D6733-6F27-4404-AB51-585418F146E5}" type="datetimeFigureOut">
               <a:rPr lang="ko-KR" altLang="en-US" smtClean="0"/>
               <a:pPr/>
-              <a:t>2022-04-17</a:t>
+              <a:t>2022-04-23</a:t>
             </a:fld>
             <a:endParaRPr lang="ko-KR" altLang="en-US"/>
           </a:p>
@@ -2065,7 +2065,7 @@
           <a:lstStyle/>
           <a:p>
             <a:r>
-              <a:rPr lang="en-US" sz="4000"/>
+              <a:rPr lang="en-US" sz="4000" dirty="0"/>
               <a:t>Session #4</a:t>
             </a:r>
             <a:br>
@@ -2235,7 +2235,15 @@
             </a:pPr>
             <a:r>
               <a:rPr lang="en-US" altLang="ko-KR" dirty="0"/>
-              <a:t>Internal IP</a:t>
+              <a:t>Internal/Private IP:</a:t>
+            </a:r>
+            <a:r>
+              <a:rPr lang="ko-KR" altLang="en-US" dirty="0"/>
+              <a:t>외부 접속 </a:t>
+            </a:r>
+            <a:r>
+              <a:rPr lang="en-US" altLang="ko-KR" dirty="0"/>
+              <a:t>X</a:t>
             </a:r>
           </a:p>
           <a:p>
@@ -2245,8 +2253,13 @@
             </a:pPr>
             <a:r>
               <a:rPr lang="en-US" altLang="ko-KR" dirty="0"/>
-              <a:t>Local Host</a:t>
-            </a:r>
+              <a:t>Local Host: </a:t>
+            </a:r>
+            <a:r>
+              <a:rPr lang="ko-KR" altLang="en-US" dirty="0"/>
+              <a:t>내 자신</a:t>
+            </a:r>
+            <a:endParaRPr lang="en-US" altLang="ko-KR" dirty="0"/>
           </a:p>
           <a:p>
             <a:pPr>
@@ -2280,8 +2293,17 @@
             </a:pPr>
             <a:r>
               <a:rPr lang="en-US" altLang="ko-KR" dirty="0"/>
-              <a:t>Ping [host IP]</a:t>
-            </a:r>
+              <a:t>Ping [host IP] 127.0.0.1</a:t>
+            </a:r>
+            <a:r>
+              <a:rPr lang="en-US" altLang="ko-KR"/>
+              <a:t>: </a:t>
+            </a:r>
+            <a:r>
+              <a:rPr lang="ko-KR" altLang="en-US"/>
+              <a:t>네트워크 동작 확인</a:t>
+            </a:r>
+            <a:endParaRPr lang="en-US" altLang="ko-KR" dirty="0"/>
           </a:p>
           <a:p>
             <a:pPr marL="0" indent="0"/>
